--- a/P9_01_Présentation.pptx
+++ b/P9_01_Présentation.pptx
@@ -4,6 +4,9 @@
   <p:sldMasterIdLst>
     <p:sldMasterId id="2147483660" r:id="rId1"/>
   </p:sldMasterIdLst>
+  <p:notesMasterIdLst>
+    <p:notesMasterId r:id="rId16"/>
+  </p:notesMasterIdLst>
   <p:sldIdLst>
     <p:sldId id="256" r:id="rId2"/>
     <p:sldId id="257" r:id="rId3"/>
@@ -117,7 +120,362 @@
       </a:defRPr>
     </a:lvl9pPr>
   </p:defaultTextStyle>
+  <p:extLst>
+    <p:ext uri="{EFAFB233-063F-42B5-8137-9DF3F51BA10A}">
+      <p15:sldGuideLst xmlns:p15="http://schemas.microsoft.com/office/powerpoint/2012/main"/>
+    </p:ext>
+  </p:extLst>
 </p:presentation>
+</file>
+
+<file path=ppt/notesMasters/notesMaster1.xml><?xml version="1.0" encoding="utf-8"?>
+<p:notesMaster xmlns:a="http://schemas.openxmlformats.org/drawingml/2006/main" xmlns:r="http://schemas.openxmlformats.org/officeDocument/2006/relationships" xmlns:p="http://schemas.openxmlformats.org/presentationml/2006/main">
+  <p:cSld>
+    <p:bg>
+      <p:bgRef idx="1001">
+        <a:schemeClr val="bg1"/>
+      </p:bgRef>
+    </p:bg>
+    <p:spTree>
+      <p:nvGrpSpPr>
+        <p:cNvPr id="1" name=""/>
+        <p:cNvGrpSpPr/>
+        <p:nvPr/>
+      </p:nvGrpSpPr>
+      <p:grpSpPr>
+        <a:xfrm>
+          <a:off x="0" y="0"/>
+          <a:ext cx="0" cy="0"/>
+          <a:chOff x="0" y="0"/>
+          <a:chExt cx="0" cy="0"/>
+        </a:xfrm>
+      </p:grpSpPr>
+      <p:sp>
+        <p:nvSpPr>
+          <p:cNvPr id="2" name="Header Placeholder 1"/>
+          <p:cNvSpPr>
+            <a:spLocks noGrp="1"/>
+          </p:cNvSpPr>
+          <p:nvPr>
+            <p:ph type="hdr" sz="quarter"/>
+          </p:nvPr>
+        </p:nvSpPr>
+        <p:spPr>
+          <a:xfrm>
+            <a:off x="0" y="0"/>
+            <a:ext cx="2971800" cy="458788"/>
+          </a:xfrm>
+          <a:prstGeom prst="rect">
+            <a:avLst/>
+          </a:prstGeom>
+        </p:spPr>
+        <p:txBody>
+          <a:bodyPr vert="horz" lIns="91440" tIns="45720" rIns="91440" bIns="45720" rtlCol="0"/>
+          <a:lstStyle>
+            <a:lvl1pPr algn="l">
+              <a:defRPr sz="1200"/>
+            </a:lvl1pPr>
+          </a:lstStyle>
+          <a:p>
+            <a:endParaRPr lang="fr-FR"/>
+          </a:p>
+        </p:txBody>
+      </p:sp>
+      <p:sp>
+        <p:nvSpPr>
+          <p:cNvPr id="3" name="Date Placeholder 2"/>
+          <p:cNvSpPr>
+            <a:spLocks noGrp="1"/>
+          </p:cNvSpPr>
+          <p:nvPr>
+            <p:ph type="dt" idx="1"/>
+          </p:nvPr>
+        </p:nvSpPr>
+        <p:spPr>
+          <a:xfrm>
+            <a:off x="3884613" y="0"/>
+            <a:ext cx="2971800" cy="458788"/>
+          </a:xfrm>
+          <a:prstGeom prst="rect">
+            <a:avLst/>
+          </a:prstGeom>
+        </p:spPr>
+        <p:txBody>
+          <a:bodyPr vert="horz" lIns="91440" tIns="45720" rIns="91440" bIns="45720" rtlCol="0"/>
+          <a:lstStyle>
+            <a:lvl1pPr algn="r">
+              <a:defRPr sz="1200"/>
+            </a:lvl1pPr>
+          </a:lstStyle>
+          <a:p>
+            <a:fld id="{D729CFA2-408E-4311-A32F-58663974EE23}" type="datetimeFigureOut">
+              <a:rPr lang="fr-FR" smtClean="0"/>
+              <a:t>06/04/2022</a:t>
+            </a:fld>
+            <a:endParaRPr lang="fr-FR"/>
+          </a:p>
+        </p:txBody>
+      </p:sp>
+      <p:sp>
+        <p:nvSpPr>
+          <p:cNvPr id="4" name="Slide Image Placeholder 3"/>
+          <p:cNvSpPr>
+            <a:spLocks noGrp="1" noRot="1" noChangeAspect="1"/>
+          </p:cNvSpPr>
+          <p:nvPr>
+            <p:ph type="sldImg" idx="2"/>
+          </p:nvPr>
+        </p:nvSpPr>
+        <p:spPr>
+          <a:xfrm>
+            <a:off x="685800" y="1143000"/>
+            <a:ext cx="5486400" cy="3086100"/>
+          </a:xfrm>
+          <a:prstGeom prst="rect">
+            <a:avLst/>
+          </a:prstGeom>
+          <a:noFill/>
+          <a:ln w="12700">
+            <a:solidFill>
+              <a:prstClr val="black"/>
+            </a:solidFill>
+          </a:ln>
+        </p:spPr>
+        <p:txBody>
+          <a:bodyPr vert="horz" lIns="91440" tIns="45720" rIns="91440" bIns="45720" rtlCol="0" anchor="ctr"/>
+          <a:lstStyle/>
+          <a:p>
+            <a:endParaRPr lang="fr-FR"/>
+          </a:p>
+        </p:txBody>
+      </p:sp>
+      <p:sp>
+        <p:nvSpPr>
+          <p:cNvPr id="5" name="Notes Placeholder 4"/>
+          <p:cNvSpPr>
+            <a:spLocks noGrp="1"/>
+          </p:cNvSpPr>
+          <p:nvPr>
+            <p:ph type="body" sz="quarter" idx="3"/>
+          </p:nvPr>
+        </p:nvSpPr>
+        <p:spPr>
+          <a:xfrm>
+            <a:off x="685800" y="4400550"/>
+            <a:ext cx="5486400" cy="3600450"/>
+          </a:xfrm>
+          <a:prstGeom prst="rect">
+            <a:avLst/>
+          </a:prstGeom>
+        </p:spPr>
+        <p:txBody>
+          <a:bodyPr vert="horz" lIns="91440" tIns="45720" rIns="91440" bIns="45720" rtlCol="0"/>
+          <a:lstStyle/>
+          <a:p>
+            <a:pPr lvl="0"/>
+            <a:r>
+              <a:rPr lang="en-US"/>
+              <a:t>Click to edit Master text styles</a:t>
+            </a:r>
+          </a:p>
+          <a:p>
+            <a:pPr lvl="1"/>
+            <a:r>
+              <a:rPr lang="en-US"/>
+              <a:t>Second level</a:t>
+            </a:r>
+          </a:p>
+          <a:p>
+            <a:pPr lvl="2"/>
+            <a:r>
+              <a:rPr lang="en-US"/>
+              <a:t>Third level</a:t>
+            </a:r>
+          </a:p>
+          <a:p>
+            <a:pPr lvl="3"/>
+            <a:r>
+              <a:rPr lang="en-US"/>
+              <a:t>Fourth level</a:t>
+            </a:r>
+          </a:p>
+          <a:p>
+            <a:pPr lvl="4"/>
+            <a:r>
+              <a:rPr lang="en-US"/>
+              <a:t>Fifth level</a:t>
+            </a:r>
+            <a:endParaRPr lang="fr-FR"/>
+          </a:p>
+        </p:txBody>
+      </p:sp>
+      <p:sp>
+        <p:nvSpPr>
+          <p:cNvPr id="6" name="Footer Placeholder 5"/>
+          <p:cNvSpPr>
+            <a:spLocks noGrp="1"/>
+          </p:cNvSpPr>
+          <p:nvPr>
+            <p:ph type="ftr" sz="quarter" idx="4"/>
+          </p:nvPr>
+        </p:nvSpPr>
+        <p:spPr>
+          <a:xfrm>
+            <a:off x="0" y="8685213"/>
+            <a:ext cx="2971800" cy="458787"/>
+          </a:xfrm>
+          <a:prstGeom prst="rect">
+            <a:avLst/>
+          </a:prstGeom>
+        </p:spPr>
+        <p:txBody>
+          <a:bodyPr vert="horz" lIns="91440" tIns="45720" rIns="91440" bIns="45720" rtlCol="0" anchor="b"/>
+          <a:lstStyle>
+            <a:lvl1pPr algn="l">
+              <a:defRPr sz="1200"/>
+            </a:lvl1pPr>
+          </a:lstStyle>
+          <a:p>
+            <a:endParaRPr lang="fr-FR"/>
+          </a:p>
+        </p:txBody>
+      </p:sp>
+      <p:sp>
+        <p:nvSpPr>
+          <p:cNvPr id="7" name="Slide Number Placeholder 6"/>
+          <p:cNvSpPr>
+            <a:spLocks noGrp="1"/>
+          </p:cNvSpPr>
+          <p:nvPr>
+            <p:ph type="sldNum" sz="quarter" idx="5"/>
+          </p:nvPr>
+        </p:nvSpPr>
+        <p:spPr>
+          <a:xfrm>
+            <a:off x="3884613" y="8685213"/>
+            <a:ext cx="2971800" cy="458787"/>
+          </a:xfrm>
+          <a:prstGeom prst="rect">
+            <a:avLst/>
+          </a:prstGeom>
+        </p:spPr>
+        <p:txBody>
+          <a:bodyPr vert="horz" lIns="91440" tIns="45720" rIns="91440" bIns="45720" rtlCol="0" anchor="b"/>
+          <a:lstStyle>
+            <a:lvl1pPr algn="r">
+              <a:defRPr sz="1200"/>
+            </a:lvl1pPr>
+          </a:lstStyle>
+          <a:p>
+            <a:fld id="{3519EBAF-4C3D-4F99-992E-2BDA7C22E7C3}" type="slidenum">
+              <a:rPr lang="fr-FR" smtClean="0"/>
+              <a:t>‹#›</a:t>
+            </a:fld>
+            <a:endParaRPr lang="fr-FR"/>
+          </a:p>
+        </p:txBody>
+      </p:sp>
+    </p:spTree>
+    <p:extLst>
+      <p:ext uri="{BB962C8B-B14F-4D97-AF65-F5344CB8AC3E}">
+        <p14:creationId xmlns:p14="http://schemas.microsoft.com/office/powerpoint/2010/main" val="164960793"/>
+      </p:ext>
+    </p:extLst>
+  </p:cSld>
+  <p:clrMap bg1="lt1" tx1="dk1" bg2="lt2" tx2="dk2" accent1="accent1" accent2="accent2" accent3="accent3" accent4="accent4" accent5="accent5" accent6="accent6" hlink="hlink" folHlink="folHlink"/>
+  <p:notesStyle>
+    <a:lvl1pPr marL="0" algn="l" defTabSz="914400" rtl="0" eaLnBrk="1" latinLnBrk="0" hangingPunct="1">
+      <a:defRPr sz="1200" kern="1200">
+        <a:solidFill>
+          <a:schemeClr val="tx1"/>
+        </a:solidFill>
+        <a:latin typeface="+mn-lt"/>
+        <a:ea typeface="+mn-ea"/>
+        <a:cs typeface="+mn-cs"/>
+      </a:defRPr>
+    </a:lvl1pPr>
+    <a:lvl2pPr marL="457200" algn="l" defTabSz="914400" rtl="0" eaLnBrk="1" latinLnBrk="0" hangingPunct="1">
+      <a:defRPr sz="1200" kern="1200">
+        <a:solidFill>
+          <a:schemeClr val="tx1"/>
+        </a:solidFill>
+        <a:latin typeface="+mn-lt"/>
+        <a:ea typeface="+mn-ea"/>
+        <a:cs typeface="+mn-cs"/>
+      </a:defRPr>
+    </a:lvl2pPr>
+    <a:lvl3pPr marL="914400" algn="l" defTabSz="914400" rtl="0" eaLnBrk="1" latinLnBrk="0" hangingPunct="1">
+      <a:defRPr sz="1200" kern="1200">
+        <a:solidFill>
+          <a:schemeClr val="tx1"/>
+        </a:solidFill>
+        <a:latin typeface="+mn-lt"/>
+        <a:ea typeface="+mn-ea"/>
+        <a:cs typeface="+mn-cs"/>
+      </a:defRPr>
+    </a:lvl3pPr>
+    <a:lvl4pPr marL="1371600" algn="l" defTabSz="914400" rtl="0" eaLnBrk="1" latinLnBrk="0" hangingPunct="1">
+      <a:defRPr sz="1200" kern="1200">
+        <a:solidFill>
+          <a:schemeClr val="tx1"/>
+        </a:solidFill>
+        <a:latin typeface="+mn-lt"/>
+        <a:ea typeface="+mn-ea"/>
+        <a:cs typeface="+mn-cs"/>
+      </a:defRPr>
+    </a:lvl4pPr>
+    <a:lvl5pPr marL="1828800" algn="l" defTabSz="914400" rtl="0" eaLnBrk="1" latinLnBrk="0" hangingPunct="1">
+      <a:defRPr sz="1200" kern="1200">
+        <a:solidFill>
+          <a:schemeClr val="tx1"/>
+        </a:solidFill>
+        <a:latin typeface="+mn-lt"/>
+        <a:ea typeface="+mn-ea"/>
+        <a:cs typeface="+mn-cs"/>
+      </a:defRPr>
+    </a:lvl5pPr>
+    <a:lvl6pPr marL="2286000" algn="l" defTabSz="914400" rtl="0" eaLnBrk="1" latinLnBrk="0" hangingPunct="1">
+      <a:defRPr sz="1200" kern="1200">
+        <a:solidFill>
+          <a:schemeClr val="tx1"/>
+        </a:solidFill>
+        <a:latin typeface="+mn-lt"/>
+        <a:ea typeface="+mn-ea"/>
+        <a:cs typeface="+mn-cs"/>
+      </a:defRPr>
+    </a:lvl6pPr>
+    <a:lvl7pPr marL="2743200" algn="l" defTabSz="914400" rtl="0" eaLnBrk="1" latinLnBrk="0" hangingPunct="1">
+      <a:defRPr sz="1200" kern="1200">
+        <a:solidFill>
+          <a:schemeClr val="tx1"/>
+        </a:solidFill>
+        <a:latin typeface="+mn-lt"/>
+        <a:ea typeface="+mn-ea"/>
+        <a:cs typeface="+mn-cs"/>
+      </a:defRPr>
+    </a:lvl7pPr>
+    <a:lvl8pPr marL="3200400" algn="l" defTabSz="914400" rtl="0" eaLnBrk="1" latinLnBrk="0" hangingPunct="1">
+      <a:defRPr sz="1200" kern="1200">
+        <a:solidFill>
+          <a:schemeClr val="tx1"/>
+        </a:solidFill>
+        <a:latin typeface="+mn-lt"/>
+        <a:ea typeface="+mn-ea"/>
+        <a:cs typeface="+mn-cs"/>
+      </a:defRPr>
+    </a:lvl8pPr>
+    <a:lvl9pPr marL="3657600" algn="l" defTabSz="914400" rtl="0" eaLnBrk="1" latinLnBrk="0" hangingPunct="1">
+      <a:defRPr sz="1200" kern="1200">
+        <a:solidFill>
+          <a:schemeClr val="tx1"/>
+        </a:solidFill>
+        <a:latin typeface="+mn-lt"/>
+        <a:ea typeface="+mn-ea"/>
+        <a:cs typeface="+mn-cs"/>
+      </a:defRPr>
+    </a:lvl9pPr>
+  </p:notesStyle>
+</p:notesMaster>
 </file>
 
 <file path=ppt/slideLayouts/slideLayout1.xml><?xml version="1.0" encoding="utf-8"?>
@@ -453,9 +811,9 @@
             </a:lvl1pPr>
           </a:lstStyle>
           <a:p>
-            <a:fld id="{F1A8C9C5-6D7F-4B5C-BE61-488D4003D576}" type="datetimeFigureOut">
+            <a:fld id="{39C43A22-221A-439A-AD7A-1CADAAD8CF60}" type="datetime1">
               <a:rPr lang="fr-FR" smtClean="0"/>
-              <a:t>01/04/2022</a:t>
+              <a:t>06/04/2022</a:t>
             </a:fld>
             <a:endParaRPr lang="fr-FR"/>
           </a:p>
@@ -1541,9 +1899,9 @@
           <a:bodyPr/>
           <a:lstStyle/>
           <a:p>
-            <a:fld id="{F1A8C9C5-6D7F-4B5C-BE61-488D4003D576}" type="datetimeFigureOut">
+            <a:fld id="{7D9E4105-26EA-4AEC-B20E-6BEEBC728581}" type="datetime1">
               <a:rPr lang="fr-FR" smtClean="0"/>
-              <a:t>01/04/2022</a:t>
+              <a:t>06/04/2022</a:t>
             </a:fld>
             <a:endParaRPr lang="fr-FR"/>
           </a:p>
@@ -2521,9 +2879,9 @@
           <a:bodyPr/>
           <a:lstStyle/>
           <a:p>
-            <a:fld id="{F1A8C9C5-6D7F-4B5C-BE61-488D4003D576}" type="datetimeFigureOut">
+            <a:fld id="{F23FE75F-1159-4C38-94D0-2B5D9248A9B8}" type="datetime1">
               <a:rPr lang="fr-FR" smtClean="0"/>
-              <a:t>01/04/2022</a:t>
+              <a:t>06/04/2022</a:t>
             </a:fld>
             <a:endParaRPr lang="fr-FR"/>
           </a:p>
@@ -3655,9 +4013,9 @@
           <a:bodyPr/>
           <a:lstStyle/>
           <a:p>
-            <a:fld id="{F1A8C9C5-6D7F-4B5C-BE61-488D4003D576}" type="datetimeFigureOut">
+            <a:fld id="{35EAFDCC-C29F-43D9-A72C-221947F18DB4}" type="datetime1">
               <a:rPr lang="fr-FR" smtClean="0"/>
-              <a:t>01/04/2022</a:t>
+              <a:t>06/04/2022</a:t>
             </a:fld>
             <a:endParaRPr lang="fr-FR"/>
           </a:p>
@@ -4688,9 +5046,9 @@
           <a:bodyPr/>
           <a:lstStyle/>
           <a:p>
-            <a:fld id="{F1A8C9C5-6D7F-4B5C-BE61-488D4003D576}" type="datetimeFigureOut">
+            <a:fld id="{AD7F6F88-318B-424A-8873-D097DCBB6236}" type="datetime1">
               <a:rPr lang="fr-FR" smtClean="0"/>
-              <a:t>01/04/2022</a:t>
+              <a:t>06/04/2022</a:t>
             </a:fld>
             <a:endParaRPr lang="fr-FR"/>
           </a:p>
@@ -5348,9 +5706,9 @@
           <a:bodyPr/>
           <a:lstStyle/>
           <a:p>
-            <a:fld id="{F1A8C9C5-6D7F-4B5C-BE61-488D4003D576}" type="datetimeFigureOut">
+            <a:fld id="{B31B7C12-0E30-4A91-8719-9E0C91E8A9DD}" type="datetime1">
               <a:rPr lang="fr-FR" smtClean="0"/>
-              <a:t>01/04/2022</a:t>
+              <a:t>06/04/2022</a:t>
             </a:fld>
             <a:endParaRPr lang="fr-FR"/>
           </a:p>
@@ -6209,9 +6567,9 @@
           <a:bodyPr/>
           <a:lstStyle/>
           <a:p>
-            <a:fld id="{F1A8C9C5-6D7F-4B5C-BE61-488D4003D576}" type="datetimeFigureOut">
+            <a:fld id="{32607410-8C81-45D6-9B9A-B6DA10EC9B70}" type="datetime1">
               <a:rPr lang="fr-FR" smtClean="0"/>
-              <a:t>01/04/2022</a:t>
+              <a:t>06/04/2022</a:t>
             </a:fld>
             <a:endParaRPr lang="fr-FR"/>
           </a:p>
@@ -6399,9 +6757,9 @@
           <a:bodyPr/>
           <a:lstStyle/>
           <a:p>
-            <a:fld id="{F1A8C9C5-6D7F-4B5C-BE61-488D4003D576}" type="datetimeFigureOut">
+            <a:fld id="{CA26AC98-14DF-49AF-8FC8-7D478A986F02}" type="datetime1">
               <a:rPr lang="fr-FR" smtClean="0"/>
-              <a:t>01/04/2022</a:t>
+              <a:t>06/04/2022</a:t>
             </a:fld>
             <a:endParaRPr lang="fr-FR"/>
           </a:p>
@@ -7371,9 +7729,9 @@
           <a:bodyPr/>
           <a:lstStyle/>
           <a:p>
-            <a:fld id="{F1A8C9C5-6D7F-4B5C-BE61-488D4003D576}" type="datetimeFigureOut">
+            <a:fld id="{C5E263FF-1357-4FE9-B323-8ACE73D96D55}" type="datetime1">
               <a:rPr lang="fr-FR" smtClean="0"/>
-              <a:t>01/04/2022</a:t>
+              <a:t>06/04/2022</a:t>
             </a:fld>
             <a:endParaRPr lang="fr-FR"/>
           </a:p>
@@ -7582,9 +7940,9 @@
           <a:bodyPr/>
           <a:lstStyle/>
           <a:p>
-            <a:fld id="{F1A8C9C5-6D7F-4B5C-BE61-488D4003D576}" type="datetimeFigureOut">
+            <a:fld id="{71D5356D-7E80-4505-85E8-77E93E184977}" type="datetime1">
               <a:rPr lang="fr-FR" smtClean="0"/>
-              <a:t>01/04/2022</a:t>
+              <a:t>06/04/2022</a:t>
             </a:fld>
             <a:endParaRPr lang="fr-FR"/>
           </a:p>
@@ -8616,9 +8974,9 @@
           <a:bodyPr/>
           <a:lstStyle/>
           <a:p>
-            <a:fld id="{F1A8C9C5-6D7F-4B5C-BE61-488D4003D576}" type="datetimeFigureOut">
+            <a:fld id="{ABA8ECB5-7842-41BC-BB85-D1BFE38786C0}" type="datetime1">
               <a:rPr lang="fr-FR" smtClean="0"/>
-              <a:t>01/04/2022</a:t>
+              <a:t>06/04/2022</a:t>
             </a:fld>
             <a:endParaRPr lang="fr-FR"/>
           </a:p>
@@ -8888,9 +9246,9 @@
           <a:bodyPr/>
           <a:lstStyle/>
           <a:p>
-            <a:fld id="{F1A8C9C5-6D7F-4B5C-BE61-488D4003D576}" type="datetimeFigureOut">
+            <a:fld id="{863E8356-A280-495E-BB7C-CF0A20306147}" type="datetime1">
               <a:rPr lang="fr-FR" smtClean="0"/>
-              <a:t>01/04/2022</a:t>
+              <a:t>06/04/2022</a:t>
             </a:fld>
             <a:endParaRPr lang="fr-FR"/>
           </a:p>
@@ -9298,9 +9656,9 @@
           <a:bodyPr/>
           <a:lstStyle/>
           <a:p>
-            <a:fld id="{F1A8C9C5-6D7F-4B5C-BE61-488D4003D576}" type="datetimeFigureOut">
+            <a:fld id="{63457EE1-1D92-42BA-84BE-721FB0DC9DA8}" type="datetime1">
               <a:rPr lang="fr-FR" smtClean="0"/>
-              <a:t>01/04/2022</a:t>
+              <a:t>06/04/2022</a:t>
             </a:fld>
             <a:endParaRPr lang="fr-FR"/>
           </a:p>
@@ -9425,9 +9783,9 @@
           <a:bodyPr/>
           <a:lstStyle/>
           <a:p>
-            <a:fld id="{F1A8C9C5-6D7F-4B5C-BE61-488D4003D576}" type="datetimeFigureOut">
+            <a:fld id="{FE331DC0-E341-47FF-9B8B-42CF6FBE8C92}" type="datetime1">
               <a:rPr lang="fr-FR" smtClean="0"/>
-              <a:t>01/04/2022</a:t>
+              <a:t>06/04/2022</a:t>
             </a:fld>
             <a:endParaRPr lang="fr-FR"/>
           </a:p>
@@ -9520,9 +9878,9 @@
           <a:bodyPr/>
           <a:lstStyle/>
           <a:p>
-            <a:fld id="{F1A8C9C5-6D7F-4B5C-BE61-488D4003D576}" type="datetimeFigureOut">
+            <a:fld id="{91AE0B19-4F8D-4B9D-832B-CB54A921F142}" type="datetime1">
               <a:rPr lang="fr-FR" smtClean="0"/>
-              <a:t>01/04/2022</a:t>
+              <a:t>06/04/2022</a:t>
             </a:fld>
             <a:endParaRPr lang="fr-FR"/>
           </a:p>
@@ -10601,9 +10959,9 @@
           <a:bodyPr/>
           <a:lstStyle/>
           <a:p>
-            <a:fld id="{F1A8C9C5-6D7F-4B5C-BE61-488D4003D576}" type="datetimeFigureOut">
+            <a:fld id="{12739414-18F2-4616-AE7F-1056D2DD86A2}" type="datetime1">
               <a:rPr lang="fr-FR" smtClean="0"/>
-              <a:t>01/04/2022</a:t>
+              <a:t>06/04/2022</a:t>
             </a:fld>
             <a:endParaRPr lang="fr-FR"/>
           </a:p>
@@ -11709,9 +12067,9 @@
           <a:bodyPr/>
           <a:lstStyle/>
           <a:p>
-            <a:fld id="{F1A8C9C5-6D7F-4B5C-BE61-488D4003D576}" type="datetimeFigureOut">
+            <a:fld id="{515A1DBE-FA12-4190-BC42-AFDBE26B70DD}" type="datetime1">
               <a:rPr lang="fr-FR" smtClean="0"/>
-              <a:t>01/04/2022</a:t>
+              <a:t>06/04/2022</a:t>
             </a:fld>
             <a:endParaRPr lang="fr-FR"/>
           </a:p>
@@ -12706,9 +13064,9 @@
             </a:lvl1pPr>
           </a:lstStyle>
           <a:p>
-            <a:fld id="{F1A8C9C5-6D7F-4B5C-BE61-488D4003D576}" type="datetimeFigureOut">
+            <a:fld id="{2B040A0A-9B58-4270-890E-6D372D8A6D55}" type="datetime1">
               <a:rPr lang="fr-FR" smtClean="0"/>
-              <a:t>01/04/2022</a:t>
+              <a:t>06/04/2022</a:t>
             </a:fld>
             <a:endParaRPr lang="fr-FR"/>
           </a:p>
@@ -12851,6 +13209,7 @@
     <p:sldLayoutId id="2147483676" r:id="rId16"/>
     <p:sldLayoutId id="2147483677" r:id="rId17"/>
   </p:sldLayoutIdLst>
+  <p:hf hdr="0" ftr="0" dt="0"/>
   <p:txStyles>
     <p:titleStyle>
       <a:lvl1pPr algn="l" defTabSz="457200" rtl="0" eaLnBrk="1" latinLnBrk="0" hangingPunct="1">
@@ -13333,6 +13692,35 @@
           </a:p>
         </p:txBody>
       </p:sp>
+      <p:sp>
+        <p:nvSpPr>
+          <p:cNvPr id="4" name="Slide Number Placeholder 3">
+            <a:extLst>
+              <a:ext uri="{FF2B5EF4-FFF2-40B4-BE49-F238E27FC236}">
+                <a16:creationId xmlns:a16="http://schemas.microsoft.com/office/drawing/2014/main" id="{6603270D-5AAF-48FC-8FF6-20F21BD8842F}"/>
+              </a:ext>
+            </a:extLst>
+          </p:cNvPr>
+          <p:cNvSpPr>
+            <a:spLocks noGrp="1"/>
+          </p:cNvSpPr>
+          <p:nvPr>
+            <p:ph type="sldNum" sz="quarter" idx="12"/>
+          </p:nvPr>
+        </p:nvSpPr>
+        <p:spPr/>
+        <p:txBody>
+          <a:bodyPr/>
+          <a:lstStyle/>
+          <a:p>
+            <a:fld id="{A2138024-0710-43A6-8E45-4871BCC26DFF}" type="slidenum">
+              <a:rPr lang="fr-FR" smtClean="0"/>
+              <a:t>1</a:t>
+            </a:fld>
+            <a:endParaRPr lang="fr-FR"/>
+          </a:p>
+        </p:txBody>
+      </p:sp>
     </p:spTree>
     <p:extLst>
       <p:ext uri="{BB962C8B-B14F-4D97-AF65-F5344CB8AC3E}">
@@ -13421,6 +13809,35 @@
           </a:prstGeom>
         </p:spPr>
       </p:pic>
+      <p:sp>
+        <p:nvSpPr>
+          <p:cNvPr id="3" name="Slide Number Placeholder 2">
+            <a:extLst>
+              <a:ext uri="{FF2B5EF4-FFF2-40B4-BE49-F238E27FC236}">
+                <a16:creationId xmlns:a16="http://schemas.microsoft.com/office/drawing/2014/main" id="{CFE27C46-120A-436F-9813-E4978C45765D}"/>
+              </a:ext>
+            </a:extLst>
+          </p:cNvPr>
+          <p:cNvSpPr>
+            <a:spLocks noGrp="1"/>
+          </p:cNvSpPr>
+          <p:nvPr>
+            <p:ph type="sldNum" sz="quarter" idx="12"/>
+          </p:nvPr>
+        </p:nvSpPr>
+        <p:spPr/>
+        <p:txBody>
+          <a:bodyPr/>
+          <a:lstStyle/>
+          <a:p>
+            <a:fld id="{A2138024-0710-43A6-8E45-4871BCC26DFF}" type="slidenum">
+              <a:rPr lang="fr-FR" smtClean="0"/>
+              <a:t>10</a:t>
+            </a:fld>
+            <a:endParaRPr lang="fr-FR"/>
+          </a:p>
+        </p:txBody>
+      </p:sp>
     </p:spTree>
     <p:extLst>
       <p:ext uri="{BB962C8B-B14F-4D97-AF65-F5344CB8AC3E}">
@@ -13725,6 +14142,35 @@
           </a:graphicData>
         </a:graphic>
       </p:graphicFrame>
+      <p:sp>
+        <p:nvSpPr>
+          <p:cNvPr id="5" name="Slide Number Placeholder 4">
+            <a:extLst>
+              <a:ext uri="{FF2B5EF4-FFF2-40B4-BE49-F238E27FC236}">
+                <a16:creationId xmlns:a16="http://schemas.microsoft.com/office/drawing/2014/main" id="{8A319953-4AF3-486A-9552-46DE10F26E22}"/>
+              </a:ext>
+            </a:extLst>
+          </p:cNvPr>
+          <p:cNvSpPr>
+            <a:spLocks noGrp="1"/>
+          </p:cNvSpPr>
+          <p:nvPr>
+            <p:ph type="sldNum" sz="quarter" idx="12"/>
+          </p:nvPr>
+        </p:nvSpPr>
+        <p:spPr/>
+        <p:txBody>
+          <a:bodyPr/>
+          <a:lstStyle/>
+          <a:p>
+            <a:fld id="{A2138024-0710-43A6-8E45-4871BCC26DFF}" type="slidenum">
+              <a:rPr lang="fr-FR" smtClean="0"/>
+              <a:t>11</a:t>
+            </a:fld>
+            <a:endParaRPr lang="fr-FR"/>
+          </a:p>
+        </p:txBody>
+      </p:sp>
     </p:spTree>
     <p:extLst>
       <p:ext uri="{BB962C8B-B14F-4D97-AF65-F5344CB8AC3E}">
@@ -13819,6 +14265,35 @@
           </a:prstGeom>
         </p:spPr>
       </p:pic>
+      <p:sp>
+        <p:nvSpPr>
+          <p:cNvPr id="3" name="Slide Number Placeholder 2">
+            <a:extLst>
+              <a:ext uri="{FF2B5EF4-FFF2-40B4-BE49-F238E27FC236}">
+                <a16:creationId xmlns:a16="http://schemas.microsoft.com/office/drawing/2014/main" id="{4F45BE08-D2C8-40E8-B573-B14559D71F5C}"/>
+              </a:ext>
+            </a:extLst>
+          </p:cNvPr>
+          <p:cNvSpPr>
+            <a:spLocks noGrp="1"/>
+          </p:cNvSpPr>
+          <p:nvPr>
+            <p:ph type="sldNum" sz="quarter" idx="12"/>
+          </p:nvPr>
+        </p:nvSpPr>
+        <p:spPr/>
+        <p:txBody>
+          <a:bodyPr/>
+          <a:lstStyle/>
+          <a:p>
+            <a:fld id="{A2138024-0710-43A6-8E45-4871BCC26DFF}" type="slidenum">
+              <a:rPr lang="fr-FR" smtClean="0"/>
+              <a:t>12</a:t>
+            </a:fld>
+            <a:endParaRPr lang="fr-FR"/>
+          </a:p>
+        </p:txBody>
+      </p:sp>
     </p:spTree>
     <p:extLst>
       <p:ext uri="{BB962C8B-B14F-4D97-AF65-F5344CB8AC3E}">
@@ -13882,6 +14357,35 @@
           </a:p>
         </p:txBody>
       </p:sp>
+      <p:sp>
+        <p:nvSpPr>
+          <p:cNvPr id="3" name="Slide Number Placeholder 2">
+            <a:extLst>
+              <a:ext uri="{FF2B5EF4-FFF2-40B4-BE49-F238E27FC236}">
+                <a16:creationId xmlns:a16="http://schemas.microsoft.com/office/drawing/2014/main" id="{1E4F4F3E-6BFD-4B58-A9B0-643EE81DD06C}"/>
+              </a:ext>
+            </a:extLst>
+          </p:cNvPr>
+          <p:cNvSpPr>
+            <a:spLocks noGrp="1"/>
+          </p:cNvSpPr>
+          <p:nvPr>
+            <p:ph type="sldNum" sz="quarter" idx="12"/>
+          </p:nvPr>
+        </p:nvSpPr>
+        <p:spPr/>
+        <p:txBody>
+          <a:bodyPr/>
+          <a:lstStyle/>
+          <a:p>
+            <a:fld id="{A2138024-0710-43A6-8E45-4871BCC26DFF}" type="slidenum">
+              <a:rPr lang="fr-FR" smtClean="0"/>
+              <a:t>13</a:t>
+            </a:fld>
+            <a:endParaRPr lang="fr-FR"/>
+          </a:p>
+        </p:txBody>
+      </p:sp>
     </p:spTree>
     <p:extLst>
       <p:ext uri="{BB962C8B-B14F-4D97-AF65-F5344CB8AC3E}">
@@ -13942,6 +14446,35 @@
               <a:rPr lang="fr-FR" dirty="0"/>
               <a:t>Démonstration</a:t>
             </a:r>
+          </a:p>
+        </p:txBody>
+      </p:sp>
+      <p:sp>
+        <p:nvSpPr>
+          <p:cNvPr id="3" name="Slide Number Placeholder 2">
+            <a:extLst>
+              <a:ext uri="{FF2B5EF4-FFF2-40B4-BE49-F238E27FC236}">
+                <a16:creationId xmlns:a16="http://schemas.microsoft.com/office/drawing/2014/main" id="{987FB66C-CB22-4A20-BA2F-DF0961C844E3}"/>
+              </a:ext>
+            </a:extLst>
+          </p:cNvPr>
+          <p:cNvSpPr>
+            <a:spLocks noGrp="1"/>
+          </p:cNvSpPr>
+          <p:nvPr>
+            <p:ph type="sldNum" sz="quarter" idx="12"/>
+          </p:nvPr>
+        </p:nvSpPr>
+        <p:spPr/>
+        <p:txBody>
+          <a:bodyPr/>
+          <a:lstStyle/>
+          <a:p>
+            <a:fld id="{A2138024-0710-43A6-8E45-4871BCC26DFF}" type="slidenum">
+              <a:rPr lang="fr-FR" smtClean="0"/>
+              <a:t>14</a:t>
+            </a:fld>
+            <a:endParaRPr lang="fr-FR"/>
           </a:p>
         </p:txBody>
       </p:sp>
@@ -14080,6 +14613,35 @@
           </a:prstGeom>
         </p:spPr>
       </p:pic>
+      <p:sp>
+        <p:nvSpPr>
+          <p:cNvPr id="3" name="Slide Number Placeholder 2">
+            <a:extLst>
+              <a:ext uri="{FF2B5EF4-FFF2-40B4-BE49-F238E27FC236}">
+                <a16:creationId xmlns:a16="http://schemas.microsoft.com/office/drawing/2014/main" id="{16FC5774-7884-43A6-B76D-7F2757DB9ADE}"/>
+              </a:ext>
+            </a:extLst>
+          </p:cNvPr>
+          <p:cNvSpPr>
+            <a:spLocks noGrp="1"/>
+          </p:cNvSpPr>
+          <p:nvPr>
+            <p:ph type="sldNum" sz="quarter" idx="12"/>
+          </p:nvPr>
+        </p:nvSpPr>
+        <p:spPr/>
+        <p:txBody>
+          <a:bodyPr/>
+          <a:lstStyle/>
+          <a:p>
+            <a:fld id="{A2138024-0710-43A6-8E45-4871BCC26DFF}" type="slidenum">
+              <a:rPr lang="fr-FR" smtClean="0"/>
+              <a:t>2</a:t>
+            </a:fld>
+            <a:endParaRPr lang="fr-FR"/>
+          </a:p>
+        </p:txBody>
+      </p:sp>
     </p:spTree>
     <p:extLst>
       <p:ext uri="{BB962C8B-B14F-4D97-AF65-F5344CB8AC3E}">
@@ -14268,6 +14830,35 @@
           </a:p>
         </p:txBody>
       </p:sp>
+      <p:sp>
+        <p:nvSpPr>
+          <p:cNvPr id="3" name="Slide Number Placeholder 2">
+            <a:extLst>
+              <a:ext uri="{FF2B5EF4-FFF2-40B4-BE49-F238E27FC236}">
+                <a16:creationId xmlns:a16="http://schemas.microsoft.com/office/drawing/2014/main" id="{CCDCD4E5-E1C2-4500-80C4-86780CA335B0}"/>
+              </a:ext>
+            </a:extLst>
+          </p:cNvPr>
+          <p:cNvSpPr>
+            <a:spLocks noGrp="1"/>
+          </p:cNvSpPr>
+          <p:nvPr>
+            <p:ph type="sldNum" sz="quarter" idx="12"/>
+          </p:nvPr>
+        </p:nvSpPr>
+        <p:spPr/>
+        <p:txBody>
+          <a:bodyPr/>
+          <a:lstStyle/>
+          <a:p>
+            <a:fld id="{A2138024-0710-43A6-8E45-4871BCC26DFF}" type="slidenum">
+              <a:rPr lang="fr-FR" smtClean="0"/>
+              <a:t>3</a:t>
+            </a:fld>
+            <a:endParaRPr lang="fr-FR"/>
+          </a:p>
+        </p:txBody>
+      </p:sp>
     </p:spTree>
     <p:extLst>
       <p:ext uri="{BB962C8B-B14F-4D97-AF65-F5344CB8AC3E}">
@@ -14356,6 +14947,35 @@
           </a:prstGeom>
         </p:spPr>
       </p:pic>
+      <p:sp>
+        <p:nvSpPr>
+          <p:cNvPr id="3" name="Slide Number Placeholder 2">
+            <a:extLst>
+              <a:ext uri="{FF2B5EF4-FFF2-40B4-BE49-F238E27FC236}">
+                <a16:creationId xmlns:a16="http://schemas.microsoft.com/office/drawing/2014/main" id="{4410B08E-1AFD-469A-B7AB-13C7616CD705}"/>
+              </a:ext>
+            </a:extLst>
+          </p:cNvPr>
+          <p:cNvSpPr>
+            <a:spLocks noGrp="1"/>
+          </p:cNvSpPr>
+          <p:nvPr>
+            <p:ph type="sldNum" sz="quarter" idx="12"/>
+          </p:nvPr>
+        </p:nvSpPr>
+        <p:spPr/>
+        <p:txBody>
+          <a:bodyPr/>
+          <a:lstStyle/>
+          <a:p>
+            <a:fld id="{A2138024-0710-43A6-8E45-4871BCC26DFF}" type="slidenum">
+              <a:rPr lang="fr-FR" smtClean="0"/>
+              <a:t>4</a:t>
+            </a:fld>
+            <a:endParaRPr lang="fr-FR"/>
+          </a:p>
+        </p:txBody>
+      </p:sp>
     </p:spTree>
     <p:extLst>
       <p:ext uri="{BB962C8B-B14F-4D97-AF65-F5344CB8AC3E}">
@@ -14450,6 +15070,35 @@
           </a:prstGeom>
         </p:spPr>
       </p:pic>
+      <p:sp>
+        <p:nvSpPr>
+          <p:cNvPr id="3" name="Slide Number Placeholder 2">
+            <a:extLst>
+              <a:ext uri="{FF2B5EF4-FFF2-40B4-BE49-F238E27FC236}">
+                <a16:creationId xmlns:a16="http://schemas.microsoft.com/office/drawing/2014/main" id="{E09759A0-C062-4DE1-800F-AE8F78CB62E0}"/>
+              </a:ext>
+            </a:extLst>
+          </p:cNvPr>
+          <p:cNvSpPr>
+            <a:spLocks noGrp="1"/>
+          </p:cNvSpPr>
+          <p:nvPr>
+            <p:ph type="sldNum" sz="quarter" idx="12"/>
+          </p:nvPr>
+        </p:nvSpPr>
+        <p:spPr/>
+        <p:txBody>
+          <a:bodyPr/>
+          <a:lstStyle/>
+          <a:p>
+            <a:fld id="{A2138024-0710-43A6-8E45-4871BCC26DFF}" type="slidenum">
+              <a:rPr lang="fr-FR" smtClean="0"/>
+              <a:t>5</a:t>
+            </a:fld>
+            <a:endParaRPr lang="fr-FR"/>
+          </a:p>
+        </p:txBody>
+      </p:sp>
     </p:spTree>
     <p:extLst>
       <p:ext uri="{BB962C8B-B14F-4D97-AF65-F5344CB8AC3E}">
@@ -14496,14 +15145,19 @@
             <p:ph type="title"/>
           </p:nvPr>
         </p:nvSpPr>
-        <p:spPr/>
+        <p:spPr>
+          <a:xfrm>
+            <a:off x="1154954" y="973668"/>
+            <a:ext cx="9276308" cy="706964"/>
+          </a:xfrm>
+        </p:spPr>
         <p:txBody>
           <a:bodyPr/>
           <a:lstStyle/>
           <a:p>
             <a:r>
               <a:rPr lang="fr-FR" dirty="0"/>
-              <a:t>Types de modèles</a:t>
+              <a:t>Types de modèles de recommandations</a:t>
             </a:r>
           </a:p>
         </p:txBody>
@@ -14555,6 +15209,35 @@
           </a:extLst>
         </p:spPr>
       </p:pic>
+      <p:sp>
+        <p:nvSpPr>
+          <p:cNvPr id="3" name="Slide Number Placeholder 2">
+            <a:extLst>
+              <a:ext uri="{FF2B5EF4-FFF2-40B4-BE49-F238E27FC236}">
+                <a16:creationId xmlns:a16="http://schemas.microsoft.com/office/drawing/2014/main" id="{C06B92B2-31C5-474F-A77A-E4304740ED13}"/>
+              </a:ext>
+            </a:extLst>
+          </p:cNvPr>
+          <p:cNvSpPr>
+            <a:spLocks noGrp="1"/>
+          </p:cNvSpPr>
+          <p:nvPr>
+            <p:ph type="sldNum" sz="quarter" idx="12"/>
+          </p:nvPr>
+        </p:nvSpPr>
+        <p:spPr/>
+        <p:txBody>
+          <a:bodyPr/>
+          <a:lstStyle/>
+          <a:p>
+            <a:fld id="{A2138024-0710-43A6-8E45-4871BCC26DFF}" type="slidenum">
+              <a:rPr lang="fr-FR" smtClean="0"/>
+              <a:t>6</a:t>
+            </a:fld>
+            <a:endParaRPr lang="fr-FR"/>
+          </a:p>
+        </p:txBody>
+      </p:sp>
     </p:spTree>
     <p:extLst>
       <p:ext uri="{BB962C8B-B14F-4D97-AF65-F5344CB8AC3E}">
@@ -14642,7 +15325,7 @@
         </p:blipFill>
         <p:spPr bwMode="auto">
           <a:xfrm>
-            <a:off x="4541191" y="3024527"/>
+            <a:off x="871063" y="2937854"/>
             <a:ext cx="6701970" cy="3410943"/>
           </a:xfrm>
           <a:prstGeom prst="rect">
@@ -14730,7 +15413,7 @@
         </p:blipFill>
         <p:spPr bwMode="auto">
           <a:xfrm>
-            <a:off x="1279871" y="3340881"/>
+            <a:off x="7892176" y="3438029"/>
             <a:ext cx="2997441" cy="2997441"/>
           </a:xfrm>
           <a:prstGeom prst="rect">
@@ -14748,6 +15431,35 @@
           </a:extLst>
         </p:spPr>
       </p:pic>
+      <p:sp>
+        <p:nvSpPr>
+          <p:cNvPr id="3" name="Slide Number Placeholder 2">
+            <a:extLst>
+              <a:ext uri="{FF2B5EF4-FFF2-40B4-BE49-F238E27FC236}">
+                <a16:creationId xmlns:a16="http://schemas.microsoft.com/office/drawing/2014/main" id="{CC230E35-EE0C-4E70-B1CF-4FD1497ECE68}"/>
+              </a:ext>
+            </a:extLst>
+          </p:cNvPr>
+          <p:cNvSpPr>
+            <a:spLocks noGrp="1"/>
+          </p:cNvSpPr>
+          <p:nvPr>
+            <p:ph type="sldNum" sz="quarter" idx="12"/>
+          </p:nvPr>
+        </p:nvSpPr>
+        <p:spPr/>
+        <p:txBody>
+          <a:bodyPr/>
+          <a:lstStyle/>
+          <a:p>
+            <a:fld id="{A2138024-0710-43A6-8E45-4871BCC26DFF}" type="slidenum">
+              <a:rPr lang="fr-FR" smtClean="0"/>
+              <a:t>7</a:t>
+            </a:fld>
+            <a:endParaRPr lang="fr-FR"/>
+          </a:p>
+        </p:txBody>
+      </p:sp>
     </p:spTree>
     <p:extLst>
       <p:ext uri="{BB962C8B-B14F-4D97-AF65-F5344CB8AC3E}">
@@ -14953,6 +15665,35 @@
           </a:p>
         </p:txBody>
       </p:sp>
+      <p:sp>
+        <p:nvSpPr>
+          <p:cNvPr id="3" name="Slide Number Placeholder 2">
+            <a:extLst>
+              <a:ext uri="{FF2B5EF4-FFF2-40B4-BE49-F238E27FC236}">
+                <a16:creationId xmlns:a16="http://schemas.microsoft.com/office/drawing/2014/main" id="{DB8E75A0-A626-4D14-B9AC-E8DE1F02A022}"/>
+              </a:ext>
+            </a:extLst>
+          </p:cNvPr>
+          <p:cNvSpPr>
+            <a:spLocks noGrp="1"/>
+          </p:cNvSpPr>
+          <p:nvPr>
+            <p:ph type="sldNum" sz="quarter" idx="12"/>
+          </p:nvPr>
+        </p:nvSpPr>
+        <p:spPr/>
+        <p:txBody>
+          <a:bodyPr/>
+          <a:lstStyle/>
+          <a:p>
+            <a:fld id="{A2138024-0710-43A6-8E45-4871BCC26DFF}" type="slidenum">
+              <a:rPr lang="fr-FR" smtClean="0"/>
+              <a:t>8</a:t>
+            </a:fld>
+            <a:endParaRPr lang="fr-FR"/>
+          </a:p>
+        </p:txBody>
+      </p:sp>
     </p:spTree>
     <p:extLst>
       <p:ext uri="{BB962C8B-B14F-4D97-AF65-F5344CB8AC3E}">
@@ -15298,6 +16039,35 @@
               <a:rPr lang="fr-FR" dirty="0"/>
               <a:t>Les articles recommandés sont simplement ceux qui possèdent le plus haut score moyen.</a:t>
             </a:r>
+          </a:p>
+        </p:txBody>
+      </p:sp>
+      <p:sp>
+        <p:nvSpPr>
+          <p:cNvPr id="3" name="Slide Number Placeholder 2">
+            <a:extLst>
+              <a:ext uri="{FF2B5EF4-FFF2-40B4-BE49-F238E27FC236}">
+                <a16:creationId xmlns:a16="http://schemas.microsoft.com/office/drawing/2014/main" id="{8C03F0AD-451A-44E9-B56A-D25636EF2314}"/>
+              </a:ext>
+            </a:extLst>
+          </p:cNvPr>
+          <p:cNvSpPr>
+            <a:spLocks noGrp="1"/>
+          </p:cNvSpPr>
+          <p:nvPr>
+            <p:ph type="sldNum" sz="quarter" idx="12"/>
+          </p:nvPr>
+        </p:nvSpPr>
+        <p:spPr/>
+        <p:txBody>
+          <a:bodyPr/>
+          <a:lstStyle/>
+          <a:p>
+            <a:fld id="{A2138024-0710-43A6-8E45-4871BCC26DFF}" type="slidenum">
+              <a:rPr lang="fr-FR" smtClean="0"/>
+              <a:t>9</a:t>
+            </a:fld>
+            <a:endParaRPr lang="fr-FR"/>
           </a:p>
         </p:txBody>
       </p:sp>
@@ -15576,4 +16346,299 @@
     </a:ext>
   </a:extLst>
 </a:theme>
+</file>
+
+<file path=ppt/theme/theme2.xml><?xml version="1.0" encoding="utf-8"?>
+<a:theme xmlns:a="http://schemas.openxmlformats.org/drawingml/2006/main" name="Office Theme">
+  <a:themeElements>
+    <a:clrScheme name="Office">
+      <a:dk1>
+        <a:sysClr val="windowText" lastClr="000000"/>
+      </a:dk1>
+      <a:lt1>
+        <a:sysClr val="window" lastClr="FFFFFF"/>
+      </a:lt1>
+      <a:dk2>
+        <a:srgbClr val="44546A"/>
+      </a:dk2>
+      <a:lt2>
+        <a:srgbClr val="E7E6E6"/>
+      </a:lt2>
+      <a:accent1>
+        <a:srgbClr val="4472C4"/>
+      </a:accent1>
+      <a:accent2>
+        <a:srgbClr val="ED7D31"/>
+      </a:accent2>
+      <a:accent3>
+        <a:srgbClr val="A5A5A5"/>
+      </a:accent3>
+      <a:accent4>
+        <a:srgbClr val="FFC000"/>
+      </a:accent4>
+      <a:accent5>
+        <a:srgbClr val="5B9BD5"/>
+      </a:accent5>
+      <a:accent6>
+        <a:srgbClr val="70AD47"/>
+      </a:accent6>
+      <a:hlink>
+        <a:srgbClr val="0563C1"/>
+      </a:hlink>
+      <a:folHlink>
+        <a:srgbClr val="954F72"/>
+      </a:folHlink>
+    </a:clrScheme>
+    <a:fontScheme name="Office">
+      <a:majorFont>
+        <a:latin typeface="Calibri Light" panose="020F0302020204030204"/>
+        <a:ea typeface=""/>
+        <a:cs typeface=""/>
+        <a:font script="Jpan" typeface="游ゴシック Light"/>
+        <a:font script="Hang" typeface="맑은 고딕"/>
+        <a:font script="Hans" typeface="等线 Light"/>
+        <a:font script="Hant" typeface="新細明體"/>
+        <a:font script="Arab" typeface="Times New Roman"/>
+        <a:font script="Hebr" typeface="Times New Roman"/>
+        <a:font script="Thai" typeface="Angsana New"/>
+        <a:font script="Ethi" typeface="Nyala"/>
+        <a:font script="Beng" typeface="Vrinda"/>
+        <a:font script="Gujr" typeface="Shruti"/>
+        <a:font script="Khmr" typeface="MoolBoran"/>
+        <a:font script="Knda" typeface="Tunga"/>
+        <a:font script="Guru" typeface="Raavi"/>
+        <a:font script="Cans" typeface="Euphemia"/>
+        <a:font script="Cher" typeface="Plantagenet Cherokee"/>
+        <a:font script="Yiii" typeface="Microsoft Yi Baiti"/>
+        <a:font script="Tibt" typeface="Microsoft Himalaya"/>
+        <a:font script="Thaa" typeface="MV Boli"/>
+        <a:font script="Deva" typeface="Mangal"/>
+        <a:font script="Telu" typeface="Gautami"/>
+        <a:font script="Taml" typeface="Latha"/>
+        <a:font script="Syrc" typeface="Estrangelo Edessa"/>
+        <a:font script="Orya" typeface="Kalinga"/>
+        <a:font script="Mlym" typeface="Kartika"/>
+        <a:font script="Laoo" typeface="DokChampa"/>
+        <a:font script="Sinh" typeface="Iskoola Pota"/>
+        <a:font script="Mong" typeface="Mongolian Baiti"/>
+        <a:font script="Viet" typeface="Times New Roman"/>
+        <a:font script="Uigh" typeface="Microsoft Uighur"/>
+        <a:font script="Geor" typeface="Sylfaen"/>
+        <a:font script="Armn" typeface="Arial"/>
+        <a:font script="Bugi" typeface="Leelawadee UI"/>
+        <a:font script="Bopo" typeface="Microsoft JhengHei"/>
+        <a:font script="Java" typeface="Javanese Text"/>
+        <a:font script="Lisu" typeface="Segoe UI"/>
+        <a:font script="Mymr" typeface="Myanmar Text"/>
+        <a:font script="Nkoo" typeface="Ebrima"/>
+        <a:font script="Olck" typeface="Nirmala UI"/>
+        <a:font script="Osma" typeface="Ebrima"/>
+        <a:font script="Phag" typeface="Phagspa"/>
+        <a:font script="Syrn" typeface="Estrangelo Edessa"/>
+        <a:font script="Syrj" typeface="Estrangelo Edessa"/>
+        <a:font script="Syre" typeface="Estrangelo Edessa"/>
+        <a:font script="Sora" typeface="Nirmala UI"/>
+        <a:font script="Tale" typeface="Microsoft Tai Le"/>
+        <a:font script="Talu" typeface="Microsoft New Tai Lue"/>
+        <a:font script="Tfng" typeface="Ebrima"/>
+      </a:majorFont>
+      <a:minorFont>
+        <a:latin typeface="Calibri" panose="020F0502020204030204"/>
+        <a:ea typeface=""/>
+        <a:cs typeface=""/>
+        <a:font script="Jpan" typeface="游ゴシック"/>
+        <a:font script="Hang" typeface="맑은 고딕"/>
+        <a:font script="Hans" typeface="等线"/>
+        <a:font script="Hant" typeface="新細明體"/>
+        <a:font script="Arab" typeface="Arial"/>
+        <a:font script="Hebr" typeface="Arial"/>
+        <a:font script="Thai" typeface="Cordia New"/>
+        <a:font script="Ethi" typeface="Nyala"/>
+        <a:font script="Beng" typeface="Vrinda"/>
+        <a:font script="Gujr" typeface="Shruti"/>
+        <a:font script="Khmr" typeface="DaunPenh"/>
+        <a:font script="Knda" typeface="Tunga"/>
+        <a:font script="Guru" typeface="Raavi"/>
+        <a:font script="Cans" typeface="Euphemia"/>
+        <a:font script="Cher" typeface="Plantagenet Cherokee"/>
+        <a:font script="Yiii" typeface="Microsoft Yi Baiti"/>
+        <a:font script="Tibt" typeface="Microsoft Himalaya"/>
+        <a:font script="Thaa" typeface="MV Boli"/>
+        <a:font script="Deva" typeface="Mangal"/>
+        <a:font script="Telu" typeface="Gautami"/>
+        <a:font script="Taml" typeface="Latha"/>
+        <a:font script="Syrc" typeface="Estrangelo Edessa"/>
+        <a:font script="Orya" typeface="Kalinga"/>
+        <a:font script="Mlym" typeface="Kartika"/>
+        <a:font script="Laoo" typeface="DokChampa"/>
+        <a:font script="Sinh" typeface="Iskoola Pota"/>
+        <a:font script="Mong" typeface="Mongolian Baiti"/>
+        <a:font script="Viet" typeface="Arial"/>
+        <a:font script="Uigh" typeface="Microsoft Uighur"/>
+        <a:font script="Geor" typeface="Sylfaen"/>
+        <a:font script="Armn" typeface="Arial"/>
+        <a:font script="Bugi" typeface="Leelawadee UI"/>
+        <a:font script="Bopo" typeface="Microsoft JhengHei"/>
+        <a:font script="Java" typeface="Javanese Text"/>
+        <a:font script="Lisu" typeface="Segoe UI"/>
+        <a:font script="Mymr" typeface="Myanmar Text"/>
+        <a:font script="Nkoo" typeface="Ebrima"/>
+        <a:font script="Olck" typeface="Nirmala UI"/>
+        <a:font script="Osma" typeface="Ebrima"/>
+        <a:font script="Phag" typeface="Phagspa"/>
+        <a:font script="Syrn" typeface="Estrangelo Edessa"/>
+        <a:font script="Syrj" typeface="Estrangelo Edessa"/>
+        <a:font script="Syre" typeface="Estrangelo Edessa"/>
+        <a:font script="Sora" typeface="Nirmala UI"/>
+        <a:font script="Tale" typeface="Microsoft Tai Le"/>
+        <a:font script="Talu" typeface="Microsoft New Tai Lue"/>
+        <a:font script="Tfng" typeface="Ebrima"/>
+      </a:minorFont>
+    </a:fontScheme>
+    <a:fmtScheme name="Office">
+      <a:fillStyleLst>
+        <a:solidFill>
+          <a:schemeClr val="phClr"/>
+        </a:solidFill>
+        <a:gradFill rotWithShape="1">
+          <a:gsLst>
+            <a:gs pos="0">
+              <a:schemeClr val="phClr">
+                <a:lumMod val="110000"/>
+                <a:satMod val="105000"/>
+                <a:tint val="67000"/>
+              </a:schemeClr>
+            </a:gs>
+            <a:gs pos="50000">
+              <a:schemeClr val="phClr">
+                <a:lumMod val="105000"/>
+                <a:satMod val="103000"/>
+                <a:tint val="73000"/>
+              </a:schemeClr>
+            </a:gs>
+            <a:gs pos="100000">
+              <a:schemeClr val="phClr">
+                <a:lumMod val="105000"/>
+                <a:satMod val="109000"/>
+                <a:tint val="81000"/>
+              </a:schemeClr>
+            </a:gs>
+          </a:gsLst>
+          <a:lin ang="5400000" scaled="0"/>
+        </a:gradFill>
+        <a:gradFill rotWithShape="1">
+          <a:gsLst>
+            <a:gs pos="0">
+              <a:schemeClr val="phClr">
+                <a:satMod val="103000"/>
+                <a:lumMod val="102000"/>
+                <a:tint val="94000"/>
+              </a:schemeClr>
+            </a:gs>
+            <a:gs pos="50000">
+              <a:schemeClr val="phClr">
+                <a:satMod val="110000"/>
+                <a:lumMod val="100000"/>
+                <a:shade val="100000"/>
+              </a:schemeClr>
+            </a:gs>
+            <a:gs pos="100000">
+              <a:schemeClr val="phClr">
+                <a:lumMod val="99000"/>
+                <a:satMod val="120000"/>
+                <a:shade val="78000"/>
+              </a:schemeClr>
+            </a:gs>
+          </a:gsLst>
+          <a:lin ang="5400000" scaled="0"/>
+        </a:gradFill>
+      </a:fillStyleLst>
+      <a:lnStyleLst>
+        <a:ln w="6350" cap="flat" cmpd="sng" algn="ctr">
+          <a:solidFill>
+            <a:schemeClr val="phClr"/>
+          </a:solidFill>
+          <a:prstDash val="solid"/>
+          <a:miter lim="800000"/>
+        </a:ln>
+        <a:ln w="12700" cap="flat" cmpd="sng" algn="ctr">
+          <a:solidFill>
+            <a:schemeClr val="phClr"/>
+          </a:solidFill>
+          <a:prstDash val="solid"/>
+          <a:miter lim="800000"/>
+        </a:ln>
+        <a:ln w="19050" cap="flat" cmpd="sng" algn="ctr">
+          <a:solidFill>
+            <a:schemeClr val="phClr"/>
+          </a:solidFill>
+          <a:prstDash val="solid"/>
+          <a:miter lim="800000"/>
+        </a:ln>
+      </a:lnStyleLst>
+      <a:effectStyleLst>
+        <a:effectStyle>
+          <a:effectLst/>
+        </a:effectStyle>
+        <a:effectStyle>
+          <a:effectLst/>
+        </a:effectStyle>
+        <a:effectStyle>
+          <a:effectLst>
+            <a:outerShdw blurRad="57150" dist="19050" dir="5400000" algn="ctr" rotWithShape="0">
+              <a:srgbClr val="000000">
+                <a:alpha val="63000"/>
+              </a:srgbClr>
+            </a:outerShdw>
+          </a:effectLst>
+        </a:effectStyle>
+      </a:effectStyleLst>
+      <a:bgFillStyleLst>
+        <a:solidFill>
+          <a:schemeClr val="phClr"/>
+        </a:solidFill>
+        <a:solidFill>
+          <a:schemeClr val="phClr">
+            <a:tint val="95000"/>
+            <a:satMod val="170000"/>
+          </a:schemeClr>
+        </a:solidFill>
+        <a:gradFill rotWithShape="1">
+          <a:gsLst>
+            <a:gs pos="0">
+              <a:schemeClr val="phClr">
+                <a:tint val="93000"/>
+                <a:satMod val="150000"/>
+                <a:shade val="98000"/>
+                <a:lumMod val="102000"/>
+              </a:schemeClr>
+            </a:gs>
+            <a:gs pos="50000">
+              <a:schemeClr val="phClr">
+                <a:tint val="98000"/>
+                <a:satMod val="130000"/>
+                <a:shade val="90000"/>
+                <a:lumMod val="103000"/>
+              </a:schemeClr>
+            </a:gs>
+            <a:gs pos="100000">
+              <a:schemeClr val="phClr">
+                <a:shade val="63000"/>
+                <a:satMod val="120000"/>
+              </a:schemeClr>
+            </a:gs>
+          </a:gsLst>
+          <a:lin ang="5400000" scaled="0"/>
+        </a:gradFill>
+      </a:bgFillStyleLst>
+    </a:fmtScheme>
+  </a:themeElements>
+  <a:objectDefaults/>
+  <a:extraClrSchemeLst/>
+  <a:extLst>
+    <a:ext uri="{05A4C25C-085E-4340-85A3-A5531E510DB2}">
+      <thm15:themeFamily xmlns:thm15="http://schemas.microsoft.com/office/thememl/2012/main" name="Office Theme" id="{62F939B6-93AF-4DB8-9C6B-D6C7DFDC589F}" vid="{4A3C46E8-61CC-4603-A589-7422A47A8E4A}"/>
+    </a:ext>
+  </a:extLst>
+</a:theme>
 </file>